--- a/DRM presentation.pptx
+++ b/DRM presentation.pptx
@@ -8298,7 +8298,7 @@
                   </a:schemeClr>
                 </a:solidFill>
               </a:rPr>
-              <a:t>SO(3) Super optimization</a:t>
+              <a:t>SO group</a:t>
             </a:r>
           </a:p>
         </p:txBody>
@@ -8705,7 +8705,7 @@
           <a:p>
             <a:r>
               <a:rPr lang="en-US" dirty="0"/>
-              <a:t>Super optimization</a:t>
+              <a:t>SO Group : Special Optimizer Group</a:t>
             </a:r>
           </a:p>
         </p:txBody>
@@ -8727,13 +8727,13 @@
           <a:p>
             <a:r>
               <a:rPr lang="en-US" dirty="0"/>
-              <a:t>We named our team as Super Optimization, in hope to build nice optimizer.</a:t>
+              <a:t>We named our team as Special Optimizer Group, in hope to build nice optimizer.</a:t>
             </a:r>
           </a:p>
           <a:p>
             <a:r>
               <a:rPr lang="en-US" dirty="0"/>
-              <a:t>Shortly we call ourselves SO(3), because it looks like rotation group in physics.</a:t>
+              <a:t>Shortly we call ourselves SO group, because it looks like rotation group in physics.</a:t>
             </a:r>
           </a:p>
           <a:p>
